--- a/New Microsoft PowerPoint Presentation.pptx
+++ b/New Microsoft PowerPoint Presentation.pptx
@@ -21,6 +21,7 @@
     <p:sldId id="320" r:id="rId15"/>
     <p:sldId id="321" r:id="rId16"/>
     <p:sldId id="322" r:id="rId17"/>
+    <p:sldId id="386" r:id="rId18"/>
   </p:sldIdLst>
   <p:sldSz cx="12192000" cy="6858000"/>
   <p:notesSz cx="6858000" cy="9144000"/>
@@ -276,7 +277,7 @@
           <a:p>
             <a:fld id="{8B92892B-9492-46C7-A397-9D62B4518681}" type="datetimeFigureOut">
               <a:rPr lang="fa-IR" smtClean="0"/>
-              <a:t>09/10/1446</a:t>
+              <a:t>19/10/1446</a:t>
             </a:fld>
             <a:endParaRPr lang="fa-IR"/>
           </a:p>
@@ -476,7 +477,7 @@
           <a:p>
             <a:fld id="{8B92892B-9492-46C7-A397-9D62B4518681}" type="datetimeFigureOut">
               <a:rPr lang="fa-IR" smtClean="0"/>
-              <a:t>09/10/1446</a:t>
+              <a:t>19/10/1446</a:t>
             </a:fld>
             <a:endParaRPr lang="fa-IR"/>
           </a:p>
@@ -686,7 +687,7 @@
           <a:p>
             <a:fld id="{8B92892B-9492-46C7-A397-9D62B4518681}" type="datetimeFigureOut">
               <a:rPr lang="fa-IR" smtClean="0"/>
-              <a:t>09/10/1446</a:t>
+              <a:t>19/10/1446</a:t>
             </a:fld>
             <a:endParaRPr lang="fa-IR"/>
           </a:p>
@@ -886,7 +887,7 @@
           <a:p>
             <a:fld id="{8B92892B-9492-46C7-A397-9D62B4518681}" type="datetimeFigureOut">
               <a:rPr lang="fa-IR" smtClean="0"/>
-              <a:t>09/10/1446</a:t>
+              <a:t>19/10/1446</a:t>
             </a:fld>
             <a:endParaRPr lang="fa-IR"/>
           </a:p>
@@ -1162,7 +1163,7 @@
           <a:p>
             <a:fld id="{8B92892B-9492-46C7-A397-9D62B4518681}" type="datetimeFigureOut">
               <a:rPr lang="fa-IR" smtClean="0"/>
-              <a:t>09/10/1446</a:t>
+              <a:t>19/10/1446</a:t>
             </a:fld>
             <a:endParaRPr lang="fa-IR"/>
           </a:p>
@@ -1430,7 +1431,7 @@
           <a:p>
             <a:fld id="{8B92892B-9492-46C7-A397-9D62B4518681}" type="datetimeFigureOut">
               <a:rPr lang="fa-IR" smtClean="0"/>
-              <a:t>09/10/1446</a:t>
+              <a:t>19/10/1446</a:t>
             </a:fld>
             <a:endParaRPr lang="fa-IR"/>
           </a:p>
@@ -1845,7 +1846,7 @@
           <a:p>
             <a:fld id="{8B92892B-9492-46C7-A397-9D62B4518681}" type="datetimeFigureOut">
               <a:rPr lang="fa-IR" smtClean="0"/>
-              <a:t>09/10/1446</a:t>
+              <a:t>19/10/1446</a:t>
             </a:fld>
             <a:endParaRPr lang="fa-IR"/>
           </a:p>
@@ -1987,7 +1988,7 @@
           <a:p>
             <a:fld id="{8B92892B-9492-46C7-A397-9D62B4518681}" type="datetimeFigureOut">
               <a:rPr lang="fa-IR" smtClean="0"/>
-              <a:t>09/10/1446</a:t>
+              <a:t>19/10/1446</a:t>
             </a:fld>
             <a:endParaRPr lang="fa-IR"/>
           </a:p>
@@ -2100,7 +2101,7 @@
           <a:p>
             <a:fld id="{8B92892B-9492-46C7-A397-9D62B4518681}" type="datetimeFigureOut">
               <a:rPr lang="fa-IR" smtClean="0"/>
-              <a:t>09/10/1446</a:t>
+              <a:t>19/10/1446</a:t>
             </a:fld>
             <a:endParaRPr lang="fa-IR"/>
           </a:p>
@@ -2413,7 +2414,7 @@
           <a:p>
             <a:fld id="{8B92892B-9492-46C7-A397-9D62B4518681}" type="datetimeFigureOut">
               <a:rPr lang="fa-IR" smtClean="0"/>
-              <a:t>09/10/1446</a:t>
+              <a:t>19/10/1446</a:t>
             </a:fld>
             <a:endParaRPr lang="fa-IR"/>
           </a:p>
@@ -2702,7 +2703,7 @@
           <a:p>
             <a:fld id="{8B92892B-9492-46C7-A397-9D62B4518681}" type="datetimeFigureOut">
               <a:rPr lang="fa-IR" smtClean="0"/>
-              <a:t>09/10/1446</a:t>
+              <a:t>19/10/1446</a:t>
             </a:fld>
             <a:endParaRPr lang="fa-IR"/>
           </a:p>
@@ -2945,7 +2946,7 @@
           <a:p>
             <a:fld id="{8B92892B-9492-46C7-A397-9D62B4518681}" type="datetimeFigureOut">
               <a:rPr lang="fa-IR" smtClean="0"/>
-              <a:t>09/10/1446</a:t>
+              <a:t>19/10/1446</a:t>
             </a:fld>
             <a:endParaRPr lang="fa-IR"/>
           </a:p>
@@ -7140,6 +7141,180 @@
 </p:sld>
 </file>
 
+<file path=ppt/slides/slide17.xml><?xml version="1.0" encoding="utf-8"?>
+<p:sld xmlns:a="http://schemas.openxmlformats.org/drawingml/2006/main" xmlns:r="http://schemas.openxmlformats.org/officeDocument/2006/relationships" xmlns:p="http://schemas.openxmlformats.org/presentationml/2006/main">
+  <p:cSld>
+    <p:spTree>
+      <p:nvGrpSpPr>
+        <p:cNvPr id="1" name=""/>
+        <p:cNvGrpSpPr/>
+        <p:nvPr/>
+      </p:nvGrpSpPr>
+      <p:grpSpPr>
+        <a:xfrm>
+          <a:off x="0" y="0"/>
+          <a:ext cx="0" cy="0"/>
+          <a:chOff x="0" y="0"/>
+          <a:chExt cx="0" cy="0"/>
+        </a:xfrm>
+      </p:grpSpPr>
+      <p:sp>
+        <p:nvSpPr>
+          <p:cNvPr id="2" name="Title 1">
+            <a:extLst>
+              <a:ext uri="{FF2B5EF4-FFF2-40B4-BE49-F238E27FC236}">
+                <a16:creationId xmlns:a16="http://schemas.microsoft.com/office/drawing/2014/main" id="{29028C80-3A1E-3CC2-CF2A-4CEBC5290558}"/>
+              </a:ext>
+            </a:extLst>
+          </p:cNvPr>
+          <p:cNvSpPr>
+            <a:spLocks noGrp="1"/>
+          </p:cNvSpPr>
+          <p:nvPr>
+            <p:ph type="title"/>
+          </p:nvPr>
+        </p:nvSpPr>
+        <p:spPr/>
+        <p:txBody>
+          <a:bodyPr/>
+          <a:lstStyle/>
+          <a:p>
+            <a:endParaRPr lang="fa-IR"/>
+          </a:p>
+        </p:txBody>
+      </p:sp>
+      <p:sp>
+        <p:nvSpPr>
+          <p:cNvPr id="3" name="Content Placeholder 2">
+            <a:extLst>
+              <a:ext uri="{FF2B5EF4-FFF2-40B4-BE49-F238E27FC236}">
+                <a16:creationId xmlns:a16="http://schemas.microsoft.com/office/drawing/2014/main" id="{316CC14E-553A-04F9-FBEE-7DFE5FDAFC7E}"/>
+              </a:ext>
+            </a:extLst>
+          </p:cNvPr>
+          <p:cNvSpPr>
+            <a:spLocks noGrp="1"/>
+          </p:cNvSpPr>
+          <p:nvPr>
+            <p:ph idx="1"/>
+          </p:nvPr>
+        </p:nvSpPr>
+        <p:spPr/>
+        <p:txBody>
+          <a:bodyPr/>
+          <a:lstStyle/>
+          <a:p>
+            <a:pPr algn="r" rtl="1"/>
+            <a:r>
+              <a:rPr lang="ar-SA" sz="1800" kern="100" dirty="0">
+                <a:solidFill>
+                  <a:srgbClr val="D6D7D9"/>
+                </a:solidFill>
+                <a:effectLst/>
+                <a:latin typeface="Calibri" panose="020F0502020204030204" pitchFamily="34" charset="0"/>
+                <a:ea typeface="Calibri" panose="020F0502020204030204" pitchFamily="34" charset="0"/>
+                <a:cs typeface="B Vosta" panose="00000400000000000000" pitchFamily="2" charset="-78"/>
+              </a:rPr>
+              <a:t>یک سازنده می‌تواند فراخوانی‌ای به</a:t>
+            </a:r>
+            <a:r>
+              <a:rPr lang="en-US" sz="1800" kern="100" dirty="0">
+                <a:solidFill>
+                  <a:srgbClr val="D6D7D9"/>
+                </a:solidFill>
+                <a:effectLst/>
+                <a:latin typeface="WoodrowW00-Reg" panose="02000606080000020004" pitchFamily="2" charset="0"/>
+                <a:ea typeface="Calibri" panose="020F0502020204030204" pitchFamily="34" charset="0"/>
+                <a:cs typeface="Woodrow"/>
+              </a:rPr>
+              <a:t>super()</a:t>
+            </a:r>
+            <a:r>
+              <a:rPr lang="en-US" sz="1800" kern="100" dirty="0">
+                <a:solidFill>
+                  <a:srgbClr val="D6D7D9"/>
+                </a:solidFill>
+                <a:effectLst/>
+                <a:latin typeface="WoodrowW00-Reg" panose="02000606080000020004" pitchFamily="2" charset="0"/>
+                <a:ea typeface="Calibri" panose="020F0502020204030204" pitchFamily="34" charset="0"/>
+                <a:cs typeface="B Vosta" panose="00000400000000000000" pitchFamily="2" charset="-78"/>
+              </a:rPr>
+              <a:t> </a:t>
+            </a:r>
+            <a:r>
+              <a:rPr lang="ar-SA" sz="1800" kern="100" dirty="0">
+                <a:solidFill>
+                  <a:srgbClr val="D6D7D9"/>
+                </a:solidFill>
+                <a:effectLst/>
+                <a:latin typeface="Calibri" panose="020F0502020204030204" pitchFamily="34" charset="0"/>
+                <a:ea typeface="Calibri" panose="020F0502020204030204" pitchFamily="34" charset="0"/>
+                <a:cs typeface="B Vosta" panose="00000400000000000000" pitchFamily="2" charset="-78"/>
+              </a:rPr>
+              <a:t> یا  </a:t>
+            </a:r>
+            <a:r>
+              <a:rPr lang="en-US" sz="1800" kern="100" dirty="0">
+                <a:solidFill>
+                  <a:srgbClr val="D6D7D9"/>
+                </a:solidFill>
+                <a:effectLst/>
+                <a:latin typeface="WoodrowW00-Reg" panose="02000606080000020004" pitchFamily="2" charset="0"/>
+                <a:ea typeface="Calibri" panose="020F0502020204030204" pitchFamily="34" charset="0"/>
+                <a:cs typeface="Woodrow"/>
+              </a:rPr>
+              <a:t>this()</a:t>
+            </a:r>
+            <a:r>
+              <a:rPr lang="en-US" sz="1800" kern="100" dirty="0">
+                <a:solidFill>
+                  <a:srgbClr val="D6D7D9"/>
+                </a:solidFill>
+                <a:effectLst/>
+                <a:latin typeface="Woodrow"/>
+                <a:ea typeface="Calibri" panose="020F0502020204030204" pitchFamily="34" charset="0"/>
+                <a:cs typeface="Arial" panose="020B0604020202020204" pitchFamily="34" charset="0"/>
+              </a:rPr>
+              <a:t> </a:t>
+            </a:r>
+            <a:r>
+              <a:rPr lang="ar-SA" sz="1800" kern="100" dirty="0">
+                <a:solidFill>
+                  <a:srgbClr val="D6D7D9"/>
+                </a:solidFill>
+                <a:effectLst/>
+                <a:latin typeface="Calibri" panose="020F0502020204030204" pitchFamily="34" charset="0"/>
+                <a:ea typeface="Calibri" panose="020F0502020204030204" pitchFamily="34" charset="0"/>
+                <a:cs typeface="B Vosta" panose="00000400000000000000" pitchFamily="2" charset="-78"/>
+              </a:rPr>
+              <a:t>داشته باشد، اما  هر دو هرگز!</a:t>
+            </a:r>
+            <a:endParaRPr lang="en-US" sz="1800" kern="100">
+              <a:effectLst/>
+              <a:latin typeface="Calibri" panose="020F0502020204030204" pitchFamily="34" charset="0"/>
+              <a:ea typeface="Calibri" panose="020F0502020204030204" pitchFamily="34" charset="0"/>
+              <a:cs typeface="Arial" panose="020B0604020202020204" pitchFamily="34" charset="0"/>
+            </a:endParaRPr>
+          </a:p>
+          <a:p>
+            <a:pPr algn="r" rtl="1"/>
+            <a:endParaRPr lang="fa-IR"/>
+          </a:p>
+        </p:txBody>
+      </p:sp>
+    </p:spTree>
+    <p:extLst>
+      <p:ext uri="{BB962C8B-B14F-4D97-AF65-F5344CB8AC3E}">
+        <p14:creationId xmlns:p14="http://schemas.microsoft.com/office/powerpoint/2010/main" val="343651290"/>
+      </p:ext>
+    </p:extLst>
+  </p:cSld>
+  <p:clrMapOvr>
+    <a:masterClrMapping/>
+  </p:clrMapOvr>
+</p:sld>
+</file>
+
 <file path=ppt/slides/slide2.xml><?xml version="1.0" encoding="utf-8"?>
 <p:sld xmlns:a="http://schemas.openxmlformats.org/drawingml/2006/main" xmlns:r="http://schemas.openxmlformats.org/officeDocument/2006/relationships" xmlns:p="http://schemas.openxmlformats.org/presentationml/2006/main">
   <p:cSld>
